--- a/spspdyn figure.pptx
+++ b/spspdyn figure.pptx
@@ -480,7 +480,9 @@
         <c:spPr>
           <a:noFill/>
           <a:ln>
-            <a:noFill/>
+            <a:solidFill>
+              <a:schemeClr val="tx1"/>
+            </a:solidFill>
           </a:ln>
           <a:effectLst/>
         </c:spPr>
@@ -1244,7 +1246,7 @@
           <a:p>
             <a:fld id="{B63BC7CA-4BF8-4637-A2B3-184F8C5267B1}" type="datetimeFigureOut">
               <a:rPr lang="en-US" smtClean="0"/>
-              <a:t>6/1/2020</a:t>
+              <a:t>6/3/2020</a:t>
             </a:fld>
             <a:endParaRPr lang="en-US"/>
           </a:p>
@@ -1442,7 +1444,7 @@
           <a:p>
             <a:fld id="{B63BC7CA-4BF8-4637-A2B3-184F8C5267B1}" type="datetimeFigureOut">
               <a:rPr lang="en-US" smtClean="0"/>
-              <a:t>6/1/2020</a:t>
+              <a:t>6/3/2020</a:t>
             </a:fld>
             <a:endParaRPr lang="en-US"/>
           </a:p>
@@ -1650,7 +1652,7 @@
           <a:p>
             <a:fld id="{B63BC7CA-4BF8-4637-A2B3-184F8C5267B1}" type="datetimeFigureOut">
               <a:rPr lang="en-US" smtClean="0"/>
-              <a:t>6/1/2020</a:t>
+              <a:t>6/3/2020</a:t>
             </a:fld>
             <a:endParaRPr lang="en-US"/>
           </a:p>
@@ -1848,7 +1850,7 @@
           <a:p>
             <a:fld id="{B63BC7CA-4BF8-4637-A2B3-184F8C5267B1}" type="datetimeFigureOut">
               <a:rPr lang="en-US" smtClean="0"/>
-              <a:t>6/1/2020</a:t>
+              <a:t>6/3/2020</a:t>
             </a:fld>
             <a:endParaRPr lang="en-US"/>
           </a:p>
@@ -2123,7 +2125,7 @@
           <a:p>
             <a:fld id="{B63BC7CA-4BF8-4637-A2B3-184F8C5267B1}" type="datetimeFigureOut">
               <a:rPr lang="en-US" smtClean="0"/>
-              <a:t>6/1/2020</a:t>
+              <a:t>6/3/2020</a:t>
             </a:fld>
             <a:endParaRPr lang="en-US"/>
           </a:p>
@@ -2388,7 +2390,7 @@
           <a:p>
             <a:fld id="{B63BC7CA-4BF8-4637-A2B3-184F8C5267B1}" type="datetimeFigureOut">
               <a:rPr lang="en-US" smtClean="0"/>
-              <a:t>6/1/2020</a:t>
+              <a:t>6/3/2020</a:t>
             </a:fld>
             <a:endParaRPr lang="en-US"/>
           </a:p>
@@ -2800,7 +2802,7 @@
           <a:p>
             <a:fld id="{B63BC7CA-4BF8-4637-A2B3-184F8C5267B1}" type="datetimeFigureOut">
               <a:rPr lang="en-US" smtClean="0"/>
-              <a:t>6/1/2020</a:t>
+              <a:t>6/3/2020</a:t>
             </a:fld>
             <a:endParaRPr lang="en-US"/>
           </a:p>
@@ -2941,7 +2943,7 @@
           <a:p>
             <a:fld id="{B63BC7CA-4BF8-4637-A2B3-184F8C5267B1}" type="datetimeFigureOut">
               <a:rPr lang="en-US" smtClean="0"/>
-              <a:t>6/1/2020</a:t>
+              <a:t>6/3/2020</a:t>
             </a:fld>
             <a:endParaRPr lang="en-US"/>
           </a:p>
@@ -3054,7 +3056,7 @@
           <a:p>
             <a:fld id="{B63BC7CA-4BF8-4637-A2B3-184F8C5267B1}" type="datetimeFigureOut">
               <a:rPr lang="en-US" smtClean="0"/>
-              <a:t>6/1/2020</a:t>
+              <a:t>6/3/2020</a:t>
             </a:fld>
             <a:endParaRPr lang="en-US"/>
           </a:p>
@@ -3365,7 +3367,7 @@
           <a:p>
             <a:fld id="{B63BC7CA-4BF8-4637-A2B3-184F8C5267B1}" type="datetimeFigureOut">
               <a:rPr lang="en-US" smtClean="0"/>
-              <a:t>6/1/2020</a:t>
+              <a:t>6/3/2020</a:t>
             </a:fld>
             <a:endParaRPr lang="en-US"/>
           </a:p>
@@ -3653,7 +3655,7 @@
           <a:p>
             <a:fld id="{B63BC7CA-4BF8-4637-A2B3-184F8C5267B1}" type="datetimeFigureOut">
               <a:rPr lang="en-US" smtClean="0"/>
-              <a:t>6/1/2020</a:t>
+              <a:t>6/3/2020</a:t>
             </a:fld>
             <a:endParaRPr lang="en-US"/>
           </a:p>
@@ -3894,7 +3896,7 @@
           <a:p>
             <a:fld id="{B63BC7CA-4BF8-4637-A2B3-184F8C5267B1}" type="datetimeFigureOut">
               <a:rPr lang="en-US" smtClean="0"/>
-              <a:t>6/1/2020</a:t>
+              <a:t>6/3/2020</a:t>
             </a:fld>
             <a:endParaRPr lang="en-US"/>
           </a:p>
@@ -4326,14 +4328,14 @@
           <p:nvPr>
             <p:extLst>
               <p:ext uri="{D42A27DB-BD31-4B8C-83A1-F6EECF244321}">
-                <p14:modId xmlns:p14="http://schemas.microsoft.com/office/powerpoint/2010/main" val="2812037552"/>
+                <p14:modId xmlns:p14="http://schemas.microsoft.com/office/powerpoint/2010/main" val="1259541338"/>
               </p:ext>
             </p:extLst>
           </p:nvPr>
         </p:nvGraphicFramePr>
         <p:xfrm>
-          <a:off x="3810000" y="2057400"/>
-          <a:ext cx="4572000" cy="2743200"/>
+          <a:off x="5254461" y="1474237"/>
+          <a:ext cx="4867470" cy="3953492"/>
         </p:xfrm>
         <a:graphic>
           <a:graphicData uri="http://schemas.openxmlformats.org/drawingml/2006/chart">
@@ -4341,6 +4343,117 @@
           </a:graphicData>
         </a:graphic>
       </p:graphicFrame>
+      <p:pic>
+        <p:nvPicPr>
+          <p:cNvPr id="3" name="Picture 2" descr="A close up of a map&#10;&#10;Description automatically generated">
+            <a:extLst>
+              <a:ext uri="{FF2B5EF4-FFF2-40B4-BE49-F238E27FC236}">
+                <a16:creationId xmlns:a16="http://schemas.microsoft.com/office/drawing/2014/main" id="{4197694B-A75C-4746-AFAD-1EF4D67F9E55}"/>
+              </a:ext>
+            </a:extLst>
+          </p:cNvPr>
+          <p:cNvPicPr>
+            <a:picLocks noChangeAspect="1"/>
+          </p:cNvPicPr>
+          <p:nvPr/>
+        </p:nvPicPr>
+        <p:blipFill rotWithShape="1">
+          <a:blip r:embed="rId3">
+            <a:extLst>
+              <a:ext uri="{28A0092B-C50C-407E-A947-70E740481C1C}">
+                <a14:useLocalDpi xmlns:a14="http://schemas.microsoft.com/office/drawing/2010/main" val="0"/>
+              </a:ext>
+            </a:extLst>
+          </a:blip>
+          <a:srcRect l="5518" r="6916"/>
+          <a:stretch/>
+        </p:blipFill>
+        <p:spPr>
+          <a:xfrm>
+            <a:off x="501679" y="1285767"/>
+            <a:ext cx="4867470" cy="4170537"/>
+          </a:xfrm>
+          <a:prstGeom prst="rect">
+            <a:avLst/>
+          </a:prstGeom>
+        </p:spPr>
+      </p:pic>
+      <p:sp>
+        <p:nvSpPr>
+          <p:cNvPr id="4" name="TextBox 3">
+            <a:extLst>
+              <a:ext uri="{FF2B5EF4-FFF2-40B4-BE49-F238E27FC236}">
+                <a16:creationId xmlns:a16="http://schemas.microsoft.com/office/drawing/2014/main" id="{08200F9C-06CE-4D4F-92AA-B487CE333102}"/>
+              </a:ext>
+            </a:extLst>
+          </p:cNvPr>
+          <p:cNvSpPr txBox="1"/>
+          <p:nvPr/>
+        </p:nvSpPr>
+        <p:spPr>
+          <a:xfrm>
+            <a:off x="5369149" y="1054933"/>
+            <a:ext cx="457200" cy="461665"/>
+          </a:xfrm>
+          <a:prstGeom prst="rect">
+            <a:avLst/>
+          </a:prstGeom>
+          <a:noFill/>
+        </p:spPr>
+        <p:txBody>
+          <a:bodyPr wrap="square" rtlCol="0">
+            <a:spAutoFit/>
+          </a:bodyPr>
+          <a:lstStyle/>
+          <a:p>
+            <a:r>
+              <a:rPr lang="en-US" sz="2400" b="1" dirty="0">
+                <a:latin typeface="Times New Roman" panose="02020603050405020304" pitchFamily="18" charset="0"/>
+                <a:cs typeface="Times New Roman" panose="02020603050405020304" pitchFamily="18" charset="0"/>
+              </a:rPr>
+              <a:t>B</a:t>
+            </a:r>
+          </a:p>
+        </p:txBody>
+      </p:sp>
+      <p:sp>
+        <p:nvSpPr>
+          <p:cNvPr id="5" name="TextBox 4">
+            <a:extLst>
+              <a:ext uri="{FF2B5EF4-FFF2-40B4-BE49-F238E27FC236}">
+                <a16:creationId xmlns:a16="http://schemas.microsoft.com/office/drawing/2014/main" id="{32C25926-57F4-4173-830C-BBA0E718AB5B}"/>
+              </a:ext>
+            </a:extLst>
+          </p:cNvPr>
+          <p:cNvSpPr txBox="1"/>
+          <p:nvPr/>
+        </p:nvSpPr>
+        <p:spPr>
+          <a:xfrm>
+            <a:off x="205973" y="1054934"/>
+            <a:ext cx="457200" cy="461665"/>
+          </a:xfrm>
+          <a:prstGeom prst="rect">
+            <a:avLst/>
+          </a:prstGeom>
+          <a:noFill/>
+        </p:spPr>
+        <p:txBody>
+          <a:bodyPr wrap="square" rtlCol="0">
+            <a:spAutoFit/>
+          </a:bodyPr>
+          <a:lstStyle/>
+          <a:p>
+            <a:r>
+              <a:rPr lang="en-US" sz="2400" b="1" dirty="0">
+                <a:latin typeface="Times New Roman" panose="02020603050405020304" pitchFamily="18" charset="0"/>
+                <a:cs typeface="Times New Roman" panose="02020603050405020304" pitchFamily="18" charset="0"/>
+              </a:rPr>
+              <a:t>A</a:t>
+            </a:r>
+          </a:p>
+        </p:txBody>
+      </p:sp>
     </p:spTree>
     <p:extLst>
       <p:ext uri="{BB962C8B-B14F-4D97-AF65-F5344CB8AC3E}">
